--- a/Paths to Becoming a Penetration Tester.pptx
+++ b/Paths to Becoming a Penetration Tester.pptx
@@ -12,17 +12,18 @@
     <p:sldId id="258" r:id="rId6"/>
     <p:sldId id="259" r:id="rId7"/>
     <p:sldId id="270" r:id="rId8"/>
-    <p:sldId id="260" r:id="rId9"/>
-    <p:sldId id="261" r:id="rId10"/>
-    <p:sldId id="262" r:id="rId11"/>
-    <p:sldId id="266" r:id="rId12"/>
-    <p:sldId id="267" r:id="rId13"/>
-    <p:sldId id="272" r:id="rId14"/>
-    <p:sldId id="263" r:id="rId15"/>
-    <p:sldId id="268" r:id="rId16"/>
-    <p:sldId id="273" r:id="rId17"/>
-    <p:sldId id="274" r:id="rId18"/>
-    <p:sldId id="264" r:id="rId19"/>
+    <p:sldId id="275" r:id="rId9"/>
+    <p:sldId id="260" r:id="rId10"/>
+    <p:sldId id="261" r:id="rId11"/>
+    <p:sldId id="262" r:id="rId12"/>
+    <p:sldId id="266" r:id="rId13"/>
+    <p:sldId id="267" r:id="rId14"/>
+    <p:sldId id="272" r:id="rId15"/>
+    <p:sldId id="263" r:id="rId16"/>
+    <p:sldId id="268" r:id="rId17"/>
+    <p:sldId id="273" r:id="rId18"/>
+    <p:sldId id="274" r:id="rId19"/>
+    <p:sldId id="264" r:id="rId20"/>
   </p:sldIdLst>
   <p:sldSz cx="9144000" cy="6858000" type="screen4x3"/>
   <p:notesSz cx="6858000" cy="9144000"/>
@@ -183,7 +184,7 @@
           <a:p>
             <a:fld id="{2007592E-CD1E-4CB0-8565-B2B34D1DE8E9}" type="datetimeFigureOut">
               <a:rPr lang="en-US" smtClean="0"/>
-              <a:t>3/25/2022</a:t>
+              <a:t>3/26/2022</a:t>
             </a:fld>
             <a:endParaRPr lang="en-US"/>
           </a:p>
@@ -499,7 +500,7 @@
           <a:p>
             <a:fld id="{2007592E-CD1E-4CB0-8565-B2B34D1DE8E9}" type="datetimeFigureOut">
               <a:rPr lang="en-US" smtClean="0"/>
-              <a:t>3/25/2022</a:t>
+              <a:t>3/26/2022</a:t>
             </a:fld>
             <a:endParaRPr lang="en-US"/>
           </a:p>
@@ -674,7 +675,7 @@
           <a:p>
             <a:fld id="{2007592E-CD1E-4CB0-8565-B2B34D1DE8E9}" type="datetimeFigureOut">
               <a:rPr lang="en-US" smtClean="0"/>
-              <a:t>3/25/2022</a:t>
+              <a:t>3/26/2022</a:t>
             </a:fld>
             <a:endParaRPr lang="en-US"/>
           </a:p>
@@ -792,7 +793,7 @@
           <a:p>
             <a:fld id="{2007592E-CD1E-4CB0-8565-B2B34D1DE8E9}" type="datetimeFigureOut">
               <a:rPr lang="en-US" smtClean="0"/>
-              <a:t>3/25/2022</a:t>
+              <a:t>3/26/2022</a:t>
             </a:fld>
             <a:endParaRPr lang="en-US"/>
           </a:p>
@@ -1090,7 +1091,7 @@
           <a:p>
             <a:fld id="{2007592E-CD1E-4CB0-8565-B2B34D1DE8E9}" type="datetimeFigureOut">
               <a:rPr lang="en-US" smtClean="0"/>
-              <a:t>3/25/2022</a:t>
+              <a:t>3/26/2022</a:t>
             </a:fld>
             <a:endParaRPr lang="en-US"/>
           </a:p>
@@ -1383,7 +1384,7 @@
           <a:p>
             <a:fld id="{2007592E-CD1E-4CB0-8565-B2B34D1DE8E9}" type="datetimeFigureOut">
               <a:rPr lang="en-US" smtClean="0"/>
-              <a:t>3/25/2022</a:t>
+              <a:t>3/26/2022</a:t>
             </a:fld>
             <a:endParaRPr lang="en-US"/>
           </a:p>
@@ -1811,7 +1812,7 @@
           <a:p>
             <a:fld id="{2007592E-CD1E-4CB0-8565-B2B34D1DE8E9}" type="datetimeFigureOut">
               <a:rPr lang="en-US" smtClean="0"/>
-              <a:t>3/25/2022</a:t>
+              <a:t>3/26/2022</a:t>
             </a:fld>
             <a:endParaRPr lang="en-US"/>
           </a:p>
@@ -1929,7 +1930,7 @@
           <a:p>
             <a:fld id="{2007592E-CD1E-4CB0-8565-B2B34D1DE8E9}" type="datetimeFigureOut">
               <a:rPr lang="en-US" smtClean="0"/>
-              <a:t>3/25/2022</a:t>
+              <a:t>3/26/2022</a:t>
             </a:fld>
             <a:endParaRPr lang="en-US"/>
           </a:p>
@@ -2019,7 +2020,7 @@
           <a:p>
             <a:fld id="{2007592E-CD1E-4CB0-8565-B2B34D1DE8E9}" type="datetimeFigureOut">
               <a:rPr lang="en-US" smtClean="0"/>
-              <a:t>3/25/2022</a:t>
+              <a:t>3/26/2022</a:t>
             </a:fld>
             <a:endParaRPr lang="en-US"/>
           </a:p>
@@ -2269,7 +2270,7 @@
           <a:p>
             <a:fld id="{2007592E-CD1E-4CB0-8565-B2B34D1DE8E9}" type="datetimeFigureOut">
               <a:rPr lang="en-US" smtClean="0"/>
-              <a:t>3/25/2022</a:t>
+              <a:t>3/26/2022</a:t>
             </a:fld>
             <a:endParaRPr lang="en-US"/>
           </a:p>
@@ -2785,7 +2786,7 @@
           <a:p>
             <a:fld id="{2007592E-CD1E-4CB0-8565-B2B34D1DE8E9}" type="datetimeFigureOut">
               <a:rPr lang="en-US" smtClean="0"/>
-              <a:t>3/25/2022</a:t>
+              <a:t>3/26/2022</a:t>
             </a:fld>
             <a:endParaRPr lang="en-US"/>
           </a:p>
@@ -3015,7 +3016,7 @@
           <a:p>
             <a:fld id="{2007592E-CD1E-4CB0-8565-B2B34D1DE8E9}" type="datetimeFigureOut">
               <a:rPr lang="en-US" smtClean="0"/>
-              <a:t>3/25/2022</a:t>
+              <a:t>3/26/2022</a:t>
             </a:fld>
             <a:endParaRPr lang="en-US"/>
           </a:p>
@@ -3612,7 +3613,7 @@
             <a:pPr algn="ctr"/>
             <a:r>
               <a:rPr lang="en-US" dirty="0" smtClean="0"/>
-              <a:t>Low Cost “Learn On Your Own”</a:t>
+              <a:t>SANS</a:t>
             </a:r>
             <a:endParaRPr lang="en-US" dirty="0"/>
           </a:p>
@@ -3631,123 +3632,45 @@
         <p:spPr/>
         <p:txBody>
           <a:bodyPr>
-            <a:normAutofit lnSpcReduction="10000"/>
+            <a:normAutofit fontScale="92500" lnSpcReduction="20000"/>
           </a:bodyPr>
           <a:lstStyle/>
           <a:p>
             <a:r>
-              <a:rPr lang="en-US" dirty="0" smtClean="0"/>
-              <a:t>You can </a:t>
-            </a:r>
-            <a:r>
-              <a:rPr lang="en-US" dirty="0"/>
-              <a:t>also buy textbooks and work </a:t>
-            </a:r>
-            <a:r>
-              <a:rPr lang="en-US" dirty="0" smtClean="0"/>
-              <a:t>through them</a:t>
-            </a:r>
-          </a:p>
-          <a:p>
-            <a:pPr lvl="1"/>
-            <a:r>
-              <a:rPr lang="en-US" dirty="0"/>
-              <a:t>H</a:t>
-            </a:r>
-            <a:r>
-              <a:rPr lang="en-US" dirty="0" smtClean="0"/>
-              <a:t>ow </a:t>
-            </a:r>
-            <a:r>
-              <a:rPr lang="en-US" dirty="0"/>
-              <a:t>I did most of </a:t>
-            </a:r>
-            <a:r>
-              <a:rPr lang="en-US" dirty="0" smtClean="0"/>
-              <a:t>my initial learning</a:t>
-            </a:r>
-            <a:endParaRPr lang="en-US" dirty="0"/>
-          </a:p>
-          <a:p>
-            <a:r>
-              <a:rPr lang="en-US" dirty="0" smtClean="0"/>
-              <a:t>See </a:t>
-            </a:r>
-            <a:r>
-              <a:rPr lang="en-US" dirty="0"/>
-              <a:t>what textbooks the college </a:t>
-            </a:r>
-            <a:r>
-              <a:rPr lang="en-US" dirty="0" smtClean="0"/>
-              <a:t>cyber security / penetration </a:t>
-            </a:r>
-            <a:r>
-              <a:rPr lang="en-US" dirty="0"/>
-              <a:t>testing courses are </a:t>
-            </a:r>
-            <a:r>
-              <a:rPr lang="en-US" dirty="0" smtClean="0"/>
-              <a:t>using </a:t>
-            </a:r>
-          </a:p>
-          <a:p>
-            <a:pPr lvl="1"/>
-            <a:r>
-              <a:rPr lang="en-US" dirty="0" smtClean="0"/>
-              <a:t>From </a:t>
-            </a:r>
-            <a:r>
-              <a:rPr lang="en-US" dirty="0"/>
-              <a:t>the course </a:t>
-            </a:r>
-            <a:r>
-              <a:rPr lang="en-US" dirty="0" smtClean="0"/>
-              <a:t>descriptions/syllabuses of </a:t>
-            </a:r>
-            <a:r>
-              <a:rPr lang="en-US" dirty="0"/>
-              <a:t>the colleges in the </a:t>
-            </a:r>
-            <a:r>
-              <a:rPr lang="en-US" dirty="0" smtClean="0"/>
-              <a:t>NSA CAE-CD/CAE-CO list</a:t>
-            </a:r>
-          </a:p>
-          <a:p>
-            <a:pPr lvl="1"/>
-            <a:r>
-              <a:rPr lang="en-US" dirty="0" smtClean="0"/>
-              <a:t>Counter Hack</a:t>
-            </a:r>
-          </a:p>
-          <a:p>
-            <a:pPr lvl="2"/>
-            <a:r>
-              <a:rPr lang="en-US" dirty="0"/>
-              <a:t>W</a:t>
-            </a:r>
-            <a:r>
-              <a:rPr lang="en-US" dirty="0" smtClean="0"/>
-              <a:t>as written by Ed </a:t>
-            </a:r>
-            <a:r>
-              <a:rPr lang="en-US" dirty="0" err="1" smtClean="0"/>
-              <a:t>Skoudis</a:t>
-            </a:r>
-            <a:r>
-              <a:rPr lang="en-US" dirty="0" smtClean="0"/>
-              <a:t>, the original author of Sans’ Sec560 penetration testing course. His company also creates the yearly Holiday Hack Challenges.</a:t>
-            </a:r>
-          </a:p>
-          <a:p>
-            <a:pPr lvl="1"/>
-            <a:r>
-              <a:rPr lang="en-US" dirty="0"/>
-              <a:t>Penetration Testing: A Hands-On Introduction to </a:t>
-            </a:r>
-            <a:r>
-              <a:rPr lang="en-US" dirty="0" smtClean="0"/>
-              <a:t>Hacking</a:t>
+              <a:rPr lang="en-US" dirty="0"/>
+              <a:t>High cost, but well recognized</a:t>
+            </a:r>
+          </a:p>
+          <a:p>
+            <a:r>
+              <a:rPr lang="en-US" dirty="0"/>
+              <a:t>I</a:t>
+            </a:r>
+            <a:r>
+              <a:rPr lang="en-US" dirty="0" smtClean="0"/>
+              <a:t>n depth </a:t>
+            </a:r>
+            <a:r>
+              <a:rPr lang="en-US" dirty="0"/>
+              <a:t>training </a:t>
+            </a:r>
+            <a:r>
+              <a:rPr lang="en-US" dirty="0" smtClean="0"/>
+              <a:t>courses, and excellent labs</a:t>
+            </a:r>
+          </a:p>
+          <a:p>
+            <a:pPr lvl="1"/>
+            <a:r>
+              <a:rPr lang="en-US" dirty="0"/>
+              <a:t>OS / network penetration testing</a:t>
+            </a:r>
+          </a:p>
+          <a:p>
+            <a:pPr lvl="1"/>
+            <a:r>
+              <a:rPr lang="en-US" dirty="0"/>
+              <a:t>Web application penetration testing</a:t>
             </a:r>
           </a:p>
           <a:p>
@@ -3756,21 +3679,86 @@
               <a:rPr lang="en-US" dirty="0" err="1" smtClean="0"/>
               <a:t>etc</a:t>
             </a:r>
+            <a:endParaRPr lang="en-US" dirty="0">
+              <a:solidFill>
+                <a:srgbClr val="FF0000"/>
+              </a:solidFill>
+            </a:endParaRPr>
+          </a:p>
+          <a:p>
+            <a:r>
+              <a:rPr lang="en-US" dirty="0" smtClean="0"/>
+              <a:t>The certifications are not as grueling as the OSCP/OSWA (only 3 hours vs 24 hours), but they are just as well recognized</a:t>
+            </a:r>
+          </a:p>
+          <a:p>
+            <a:r>
+              <a:rPr lang="en-US" dirty="0" smtClean="0"/>
+              <a:t>They </a:t>
+            </a:r>
+            <a:r>
+              <a:rPr lang="en-US" dirty="0"/>
+              <a:t>will definitely help boost you over other </a:t>
+            </a:r>
+            <a:r>
+              <a:rPr lang="en-US" dirty="0" smtClean="0"/>
+              <a:t>candidates</a:t>
+            </a:r>
+          </a:p>
+          <a:p>
+            <a:pPr lvl="1"/>
+            <a:r>
+              <a:rPr lang="en-US" dirty="0" smtClean="0"/>
+              <a:t>And get you past the HR firewall</a:t>
+            </a:r>
+          </a:p>
+          <a:p>
+            <a:r>
+              <a:rPr lang="en-US" dirty="0" smtClean="0"/>
+              <a:t>~$7,000 for each course</a:t>
+            </a:r>
+          </a:p>
+          <a:p>
+            <a:pPr lvl="1"/>
+            <a:r>
+              <a:rPr lang="en-US" dirty="0" smtClean="0"/>
+              <a:t>But the exams can be taken separately from the courses for ~$1,000 </a:t>
+            </a:r>
+          </a:p>
+          <a:p>
+            <a:pPr lvl="1"/>
+            <a:r>
+              <a:rPr lang="en-US" dirty="0" smtClean="0"/>
+              <a:t>And many people do </a:t>
+            </a:r>
+            <a:r>
+              <a:rPr lang="en-US" dirty="0"/>
+              <a:t>other courses or self study </a:t>
+            </a:r>
+            <a:r>
+              <a:rPr lang="en-US" dirty="0" smtClean="0"/>
+              <a:t>for prep to </a:t>
+            </a:r>
+            <a:r>
+              <a:rPr lang="en-US" dirty="0"/>
+              <a:t>pass the </a:t>
+            </a:r>
+            <a:r>
+              <a:rPr lang="en-US" dirty="0" smtClean="0"/>
+              <a:t>exams, instead of taking the official courses</a:t>
+            </a:r>
+            <a:endParaRPr lang="en-US" dirty="0"/>
+          </a:p>
+          <a:p>
+            <a:pPr lvl="2"/>
             <a:endParaRPr lang="en-US" dirty="0" smtClean="0"/>
-          </a:p>
-          <a:p>
-            <a:r>
-              <a:rPr lang="en-US" dirty="0" smtClean="0"/>
-              <a:t>The textbooks usually have guides for setting up a home lab to practice the things taught in the book.</a:t>
-            </a:r>
-            <a:endParaRPr lang="en-US" dirty="0"/>
           </a:p>
         </p:txBody>
       </p:sp>
     </p:spTree>
     <p:extLst>
       <p:ext uri="{BB962C8B-B14F-4D97-AF65-F5344CB8AC3E}">
-        <p14:creationId xmlns:p14="http://schemas.microsoft.com/office/powerpoint/2010/main" val="252690873"/>
+        <p14:creationId xmlns:p14="http://schemas.microsoft.com/office/powerpoint/2010/main" val="3024179817"/>
       </p:ext>
     </p:extLst>
   </p:cSld>
@@ -3815,7 +3803,7 @@
             <a:pPr algn="ctr"/>
             <a:r>
               <a:rPr lang="en-US" dirty="0" smtClean="0"/>
-              <a:t>“Learn on your own” labs</a:t>
+              <a:t>Low Cost “Learn On Your Own”</a:t>
             </a:r>
             <a:endParaRPr lang="en-US" dirty="0"/>
           </a:p>
@@ -3834,88 +3822,146 @@
         <p:spPr/>
         <p:txBody>
           <a:bodyPr>
-            <a:normAutofit/>
+            <a:normAutofit lnSpcReduction="10000"/>
           </a:bodyPr>
           <a:lstStyle/>
           <a:p>
             <a:r>
-              <a:rPr lang="en-US" dirty="0"/>
-              <a:t>You can set up a home lab with intentionally vulnerable systems in a VM and attack them</a:t>
-            </a:r>
-          </a:p>
-          <a:p>
-            <a:pPr lvl="1"/>
-            <a:r>
-              <a:rPr lang="en-US" dirty="0"/>
-              <a:t>How I did most of my initial </a:t>
-            </a:r>
-            <a:r>
-              <a:rPr lang="en-US" dirty="0" smtClean="0"/>
-              <a:t>learning</a:t>
-            </a:r>
-          </a:p>
-          <a:p>
-            <a:r>
-              <a:rPr lang="en-US" dirty="0" smtClean="0"/>
-              <a:t>Virtualization options: </a:t>
+              <a:rPr lang="en-US" dirty="0" smtClean="0"/>
+              <a:t>You can </a:t>
+            </a:r>
+            <a:r>
+              <a:rPr lang="en-US" dirty="0"/>
+              <a:t>also buy textbooks and work </a:t>
+            </a:r>
+            <a:r>
+              <a:rPr lang="en-US" dirty="0" smtClean="0"/>
+              <a:t>through them</a:t>
+            </a:r>
+          </a:p>
+          <a:p>
+            <a:pPr lvl="1"/>
+            <a:r>
+              <a:rPr lang="en-US" dirty="0"/>
+              <a:t>H</a:t>
+            </a:r>
+            <a:r>
+              <a:rPr lang="en-US" dirty="0" smtClean="0"/>
+              <a:t>ow </a:t>
+            </a:r>
+            <a:r>
+              <a:rPr lang="en-US" dirty="0"/>
+              <a:t>I did most of </a:t>
+            </a:r>
+            <a:r>
+              <a:rPr lang="en-US" dirty="0" smtClean="0"/>
+              <a:t>my initial learning</a:t>
+            </a:r>
+            <a:endParaRPr lang="en-US" dirty="0"/>
+          </a:p>
+          <a:p>
+            <a:r>
+              <a:rPr lang="en-US" dirty="0" smtClean="0"/>
+              <a:t>See </a:t>
+            </a:r>
+            <a:r>
+              <a:rPr lang="en-US" dirty="0"/>
+              <a:t>what textbooks the college </a:t>
+            </a:r>
+            <a:r>
+              <a:rPr lang="en-US" dirty="0" smtClean="0"/>
+              <a:t>cyber security / penetration </a:t>
+            </a:r>
+            <a:r>
+              <a:rPr lang="en-US" dirty="0"/>
+              <a:t>testing courses are </a:t>
+            </a:r>
+            <a:r>
+              <a:rPr lang="en-US" dirty="0" smtClean="0"/>
+              <a:t>using </a:t>
+            </a:r>
+          </a:p>
+          <a:p>
+            <a:pPr lvl="1"/>
+            <a:r>
+              <a:rPr lang="en-US" dirty="0" smtClean="0"/>
+              <a:t>From </a:t>
+            </a:r>
+            <a:r>
+              <a:rPr lang="en-US" dirty="0"/>
+              <a:t>the course </a:t>
+            </a:r>
+            <a:r>
+              <a:rPr lang="en-US" dirty="0" smtClean="0"/>
+              <a:t>descriptions/syllabuses of </a:t>
+            </a:r>
+            <a:r>
+              <a:rPr lang="en-US" dirty="0"/>
+              <a:t>the colleges in the </a:t>
+            </a:r>
+            <a:r>
+              <a:rPr lang="en-US" dirty="0" smtClean="0"/>
+              <a:t>NSA CAE-CD/CAE-CO list</a:t>
+            </a:r>
+          </a:p>
+          <a:p>
+            <a:pPr lvl="1"/>
+            <a:r>
+              <a:rPr lang="en-US" dirty="0" smtClean="0"/>
+              <a:t>Counter Hack</a:t>
+            </a:r>
+          </a:p>
+          <a:p>
+            <a:pPr lvl="2"/>
+            <a:r>
+              <a:rPr lang="en-US" dirty="0"/>
+              <a:t>W</a:t>
+            </a:r>
+            <a:r>
+              <a:rPr lang="en-US" dirty="0" smtClean="0"/>
+              <a:t>as written by Ed </a:t>
             </a:r>
             <a:r>
               <a:rPr lang="en-US" dirty="0" err="1" smtClean="0"/>
-              <a:t>VirtualBox</a:t>
-            </a:r>
-            <a:r>
-              <a:rPr lang="en-US" dirty="0" smtClean="0"/>
-              <a:t> or VMWare Player free version</a:t>
+              <a:t>Skoudis</a:t>
+            </a:r>
+            <a:r>
+              <a:rPr lang="en-US" dirty="0" smtClean="0"/>
+              <a:t>, the original author of Sans’ Sec560 penetration testing course. His company also creates the yearly Holiday Hack Challenges.</a:t>
+            </a:r>
+          </a:p>
+          <a:p>
+            <a:pPr lvl="1"/>
+            <a:r>
+              <a:rPr lang="en-US" dirty="0"/>
+              <a:t>Penetration Testing: A Hands-On Introduction to </a:t>
+            </a:r>
+            <a:r>
+              <a:rPr lang="en-US" dirty="0" smtClean="0"/>
+              <a:t>Hacking</a:t>
             </a:r>
           </a:p>
           <a:p>
             <a:pPr lvl="1"/>
             <a:r>
               <a:rPr lang="en-US" dirty="0" err="1" smtClean="0"/>
-              <a:t>VirtualBox</a:t>
-            </a:r>
-            <a:r>
-              <a:rPr lang="en-US" dirty="0" smtClean="0"/>
-              <a:t> will allow you to take snapshots, so you can revert to the snapshot when you break something by trying to hack it wrong</a:t>
-            </a:r>
-          </a:p>
-          <a:p>
-            <a:pPr lvl="1"/>
-            <a:r>
-              <a:rPr lang="en-US" dirty="0" smtClean="0"/>
-              <a:t>But you have to have the paid version of VMWare Player to be able to take snapshots</a:t>
-            </a:r>
-          </a:p>
-          <a:p>
-            <a:r>
-              <a:rPr lang="en-US" dirty="0"/>
-              <a:t>Kali Linux: a free Linux distro that comes prepackaged with many hacking tools</a:t>
-            </a:r>
-          </a:p>
-          <a:p>
-            <a:pPr lvl="1"/>
-            <a:r>
-              <a:rPr lang="en-US" dirty="0"/>
-              <a:t>This is commonly used in the industry</a:t>
-            </a:r>
-          </a:p>
-          <a:p>
-            <a:pPr lvl="1"/>
-            <a:r>
-              <a:rPr lang="en-US" dirty="0"/>
-              <a:t>Parrot OS and Sans’ Slingshot are other </a:t>
-            </a:r>
-            <a:r>
-              <a:rPr lang="en-US" dirty="0" smtClean="0"/>
-              <a:t>alternatives</a:t>
-            </a:r>
+              <a:t>etc</a:t>
+            </a:r>
+            <a:endParaRPr lang="en-US" dirty="0" smtClean="0"/>
+          </a:p>
+          <a:p>
+            <a:r>
+              <a:rPr lang="en-US" dirty="0" smtClean="0"/>
+              <a:t>The textbooks usually have guides for setting up a home lab to practice the things taught in the book.</a:t>
+            </a:r>
+            <a:endParaRPr lang="en-US" dirty="0"/>
           </a:p>
         </p:txBody>
       </p:sp>
     </p:spTree>
     <p:extLst>
       <p:ext uri="{BB962C8B-B14F-4D97-AF65-F5344CB8AC3E}">
-        <p14:creationId xmlns:p14="http://schemas.microsoft.com/office/powerpoint/2010/main" val="3913597631"/>
+        <p14:creationId xmlns:p14="http://schemas.microsoft.com/office/powerpoint/2010/main" val="252690873"/>
       </p:ext>
     </p:extLst>
   </p:cSld>
@@ -3960,7 +4006,7 @@
             <a:pPr algn="ctr"/>
             <a:r>
               <a:rPr lang="en-US" dirty="0" smtClean="0"/>
-              <a:t>“learn on your own” labs</a:t>
+              <a:t>“Learn on your own” labs</a:t>
             </a:r>
             <a:endParaRPr lang="en-US" dirty="0"/>
           </a:p>
@@ -3985,131 +4031,82 @@
           <a:p>
             <a:r>
               <a:rPr lang="en-US" dirty="0"/>
-              <a:t>Windows </a:t>
-            </a:r>
-            <a:r>
-              <a:rPr lang="en-US" dirty="0" smtClean="0"/>
-              <a:t>Trials</a:t>
-            </a:r>
-            <a:endParaRPr lang="en-US" dirty="0">
-              <a:solidFill>
-                <a:srgbClr val="FF0000"/>
-              </a:solidFill>
-            </a:endParaRPr>
-          </a:p>
-          <a:p>
-            <a:pPr lvl="1"/>
-            <a:r>
-              <a:rPr lang="en-US" dirty="0" smtClean="0"/>
-              <a:t>“Free</a:t>
-            </a:r>
-            <a:r>
-              <a:rPr lang="en-US" dirty="0"/>
-              <a:t>” for 30 days for pc images, 90 days for server </a:t>
-            </a:r>
-            <a:r>
-              <a:rPr lang="en-US" dirty="0" smtClean="0"/>
-              <a:t>images; but </a:t>
-            </a:r>
-            <a:r>
-              <a:rPr lang="en-US" dirty="0"/>
-              <a:t>you can still use them after they </a:t>
-            </a:r>
-            <a:r>
-              <a:rPr lang="en-US" dirty="0" smtClean="0"/>
-              <a:t>expire</a:t>
-            </a:r>
-          </a:p>
-          <a:p>
-            <a:pPr lvl="1"/>
-            <a:r>
-              <a:rPr lang="en-US" dirty="0" smtClean="0">
-                <a:hlinkClick r:id="rId2"/>
-              </a:rPr>
-              <a:t>https</a:t>
-            </a:r>
-            <a:r>
-              <a:rPr lang="en-US" dirty="0">
-                <a:hlinkClick r:id="rId2"/>
-              </a:rPr>
-              <a:t>://developer.microsoft.com/en-us/windows/downloads/virtual-machines</a:t>
-            </a:r>
-            <a:r>
-              <a:rPr lang="en-US" dirty="0" smtClean="0">
-                <a:hlinkClick r:id="rId2"/>
-              </a:rPr>
-              <a:t>/</a:t>
-            </a:r>
-            <a:r>
-              <a:rPr lang="en-US" dirty="0" smtClean="0"/>
-              <a:t> </a:t>
-            </a:r>
-            <a:endParaRPr lang="en-US" dirty="0"/>
-          </a:p>
-          <a:p>
-            <a:pPr lvl="1"/>
-            <a:r>
-              <a:rPr lang="en-US" dirty="0" smtClean="0">
-                <a:hlinkClick r:id="rId3"/>
-              </a:rPr>
-              <a:t>https</a:t>
-            </a:r>
-            <a:r>
-              <a:rPr lang="en-US" dirty="0">
-                <a:hlinkClick r:id="rId3"/>
-              </a:rPr>
-              <a:t>://</a:t>
-            </a:r>
-            <a:r>
-              <a:rPr lang="en-US" dirty="0" smtClean="0">
-                <a:hlinkClick r:id="rId3"/>
-              </a:rPr>
-              <a:t>www.microsoft.com/en-us/evalcenter/</a:t>
-            </a:r>
-            <a:r>
-              <a:rPr lang="en-US" dirty="0" smtClean="0"/>
-              <a:t> </a:t>
-            </a:r>
-          </a:p>
-          <a:p>
-            <a:r>
-              <a:rPr lang="en-US" dirty="0" smtClean="0"/>
-              <a:t>Prepackaged application stacks; old/vulnerable versions available</a:t>
-            </a:r>
-            <a:endParaRPr lang="en-US" dirty="0"/>
-          </a:p>
-          <a:p>
-            <a:pPr lvl="1"/>
-            <a:r>
-              <a:rPr lang="en-US" dirty="0"/>
-              <a:t>T</a:t>
-            </a:r>
-            <a:r>
-              <a:rPr lang="en-US" dirty="0" smtClean="0"/>
-              <a:t>urnkey GNU/Linux</a:t>
-            </a:r>
-          </a:p>
-          <a:p>
-            <a:pPr lvl="1"/>
-            <a:r>
-              <a:rPr lang="en-US" dirty="0" smtClean="0"/>
-              <a:t>Ninite.com</a:t>
-            </a:r>
-            <a:endParaRPr lang="en-US" dirty="0"/>
-          </a:p>
-          <a:p>
-            <a:pPr lvl="1"/>
-            <a:endParaRPr lang="en-US" dirty="0" smtClean="0"/>
-          </a:p>
-          <a:p>
-            <a:endParaRPr lang="en-US" dirty="0"/>
+              <a:t>You can set up a home lab with intentionally vulnerable systems in a VM and attack them</a:t>
+            </a:r>
+          </a:p>
+          <a:p>
+            <a:pPr lvl="1"/>
+            <a:r>
+              <a:rPr lang="en-US" dirty="0"/>
+              <a:t>How I did most of my initial </a:t>
+            </a:r>
+            <a:r>
+              <a:rPr lang="en-US" dirty="0" smtClean="0"/>
+              <a:t>learning</a:t>
+            </a:r>
+          </a:p>
+          <a:p>
+            <a:r>
+              <a:rPr lang="en-US" dirty="0" smtClean="0"/>
+              <a:t>Virtualization options: </a:t>
+            </a:r>
+            <a:r>
+              <a:rPr lang="en-US" dirty="0" err="1" smtClean="0"/>
+              <a:t>VirtualBox</a:t>
+            </a:r>
+            <a:r>
+              <a:rPr lang="en-US" dirty="0" smtClean="0"/>
+              <a:t> or VMWare Player free version</a:t>
+            </a:r>
+          </a:p>
+          <a:p>
+            <a:pPr lvl="1"/>
+            <a:r>
+              <a:rPr lang="en-US" dirty="0" err="1" smtClean="0"/>
+              <a:t>VirtualBox</a:t>
+            </a:r>
+            <a:r>
+              <a:rPr lang="en-US" dirty="0" smtClean="0"/>
+              <a:t> will allow you to take snapshots, so you can revert to the snapshot when you break something by trying to hack it wrong</a:t>
+            </a:r>
+          </a:p>
+          <a:p>
+            <a:pPr lvl="1"/>
+            <a:r>
+              <a:rPr lang="en-US" dirty="0" smtClean="0"/>
+              <a:t>But you have to have the paid version of VMWare Player to be able to take snapshots</a:t>
+            </a:r>
+          </a:p>
+          <a:p>
+            <a:r>
+              <a:rPr lang="en-US" dirty="0"/>
+              <a:t>Kali Linux: a free Linux distro that comes prepackaged with many hacking tools</a:t>
+            </a:r>
+          </a:p>
+          <a:p>
+            <a:pPr lvl="1"/>
+            <a:r>
+              <a:rPr lang="en-US" dirty="0"/>
+              <a:t>This is commonly used in the industry</a:t>
+            </a:r>
+          </a:p>
+          <a:p>
+            <a:pPr lvl="1"/>
+            <a:r>
+              <a:rPr lang="en-US" dirty="0"/>
+              <a:t>Parrot OS and Sans’ Slingshot are other </a:t>
+            </a:r>
+            <a:r>
+              <a:rPr lang="en-US" dirty="0" smtClean="0"/>
+              <a:t>alternatives</a:t>
+            </a:r>
           </a:p>
         </p:txBody>
       </p:sp>
     </p:spTree>
     <p:extLst>
       <p:ext uri="{BB962C8B-B14F-4D97-AF65-F5344CB8AC3E}">
-        <p14:creationId xmlns:p14="http://schemas.microsoft.com/office/powerpoint/2010/main" val="3834901385"/>
+        <p14:creationId xmlns:p14="http://schemas.microsoft.com/office/powerpoint/2010/main" val="3913597631"/>
       </p:ext>
     </p:extLst>
   </p:cSld>
@@ -4153,9 +4150,10 @@
           <a:p>
             <a:pPr algn="ctr"/>
             <a:r>
-              <a:rPr lang="en-US" dirty="0"/>
+              <a:rPr lang="en-US" dirty="0" smtClean="0"/>
               <a:t>“learn on your own” labs</a:t>
             </a:r>
+            <a:endParaRPr lang="en-US" dirty="0"/>
           </a:p>
         </p:txBody>
       </p:sp>
@@ -4171,64 +4169,103 @@
         </p:nvSpPr>
         <p:spPr/>
         <p:txBody>
-          <a:bodyPr/>
-          <a:lstStyle/>
-          <a:p>
-            <a:r>
-              <a:rPr lang="en-US" dirty="0"/>
-              <a:t>Can also download trial versions of software that is currently used in the real world</a:t>
-            </a:r>
-          </a:p>
-          <a:p>
-            <a:pPr lvl="1"/>
-            <a:r>
-              <a:rPr lang="en-US" dirty="0" smtClean="0"/>
-              <a:t>And look </a:t>
-            </a:r>
-            <a:r>
-              <a:rPr lang="en-US" dirty="0"/>
-              <a:t>for vulnerabilities in </a:t>
-            </a:r>
-            <a:r>
-              <a:rPr lang="en-US" dirty="0" smtClean="0"/>
-              <a:t>it</a:t>
-            </a:r>
-          </a:p>
-          <a:p>
-            <a:pPr lvl="1"/>
-            <a:r>
-              <a:rPr lang="en-US" dirty="0" smtClean="0"/>
-              <a:t>This is </a:t>
-            </a:r>
-            <a:r>
-              <a:rPr lang="en-US" dirty="0"/>
-              <a:t>how the hackers do </a:t>
-            </a:r>
-            <a:r>
-              <a:rPr lang="en-US" dirty="0" smtClean="0"/>
-              <a:t>it</a:t>
-            </a:r>
-          </a:p>
-          <a:p>
-            <a:pPr lvl="1"/>
-            <a:r>
-              <a:rPr lang="en-US" dirty="0"/>
-              <a:t>Load balancer, firewall software, content management systems, </a:t>
-            </a:r>
-            <a:r>
-              <a:rPr lang="en-US" dirty="0" err="1" smtClean="0"/>
-              <a:t>etc</a:t>
+          <a:bodyPr>
+            <a:normAutofit/>
+          </a:bodyPr>
+          <a:lstStyle/>
+          <a:p>
+            <a:r>
+              <a:rPr lang="en-US" dirty="0"/>
+              <a:t>Windows </a:t>
+            </a:r>
+            <a:r>
+              <a:rPr lang="en-US" dirty="0" smtClean="0"/>
+              <a:t>Trials</a:t>
+            </a:r>
+            <a:endParaRPr lang="en-US" dirty="0">
+              <a:solidFill>
+                <a:srgbClr val="FF0000"/>
+              </a:solidFill>
+            </a:endParaRPr>
+          </a:p>
+          <a:p>
+            <a:pPr lvl="1"/>
+            <a:r>
+              <a:rPr lang="en-US" dirty="0" smtClean="0"/>
+              <a:t>“Free</a:t>
+            </a:r>
+            <a:r>
+              <a:rPr lang="en-US" dirty="0"/>
+              <a:t>” for 30 days for pc images, 90 days for server </a:t>
+            </a:r>
+            <a:r>
+              <a:rPr lang="en-US" dirty="0" smtClean="0"/>
+              <a:t>images; but </a:t>
+            </a:r>
+            <a:r>
+              <a:rPr lang="en-US" dirty="0"/>
+              <a:t>you can still use them after they </a:t>
+            </a:r>
+            <a:r>
+              <a:rPr lang="en-US" dirty="0" smtClean="0"/>
+              <a:t>expire</a:t>
+            </a:r>
+          </a:p>
+          <a:p>
+            <a:pPr lvl="1"/>
+            <a:r>
+              <a:rPr lang="en-US" dirty="0" smtClean="0">
+                <a:hlinkClick r:id="rId2"/>
+              </a:rPr>
+              <a:t>https</a:t>
+            </a:r>
+            <a:r>
+              <a:rPr lang="en-US" dirty="0">
+                <a:hlinkClick r:id="rId2"/>
+              </a:rPr>
+              <a:t>://developer.microsoft.com/en-us/windows/downloads/virtual-machines</a:t>
+            </a:r>
+            <a:r>
+              <a:rPr lang="en-US" dirty="0" smtClean="0">
+                <a:hlinkClick r:id="rId2"/>
+              </a:rPr>
+              <a:t>/</a:t>
+            </a:r>
+            <a:r>
+              <a:rPr lang="en-US" dirty="0" smtClean="0"/>
+              <a:t> </a:t>
             </a:r>
             <a:endParaRPr lang="en-US" dirty="0"/>
           </a:p>
           <a:p>
-            <a:r>
-              <a:rPr lang="en-US" dirty="0"/>
-              <a:t>Can start by walking through an open source version of the software </a:t>
-            </a:r>
-            <a:r>
-              <a:rPr lang="en-US" dirty="0" smtClean="0"/>
-              <a:t>category</a:t>
+            <a:pPr lvl="1"/>
+            <a:r>
+              <a:rPr lang="en-US" dirty="0" smtClean="0">
+                <a:hlinkClick r:id="rId3"/>
+              </a:rPr>
+              <a:t>https</a:t>
+            </a:r>
+            <a:r>
+              <a:rPr lang="en-US" dirty="0">
+                <a:hlinkClick r:id="rId3"/>
+              </a:rPr>
+              <a:t>://</a:t>
+            </a:r>
+            <a:r>
+              <a:rPr lang="en-US" dirty="0" smtClean="0">
+                <a:hlinkClick r:id="rId3"/>
+              </a:rPr>
+              <a:t>www.microsoft.com/en-us/evalcenter/</a:t>
+            </a:r>
+            <a:r>
+              <a:rPr lang="en-US" dirty="0" smtClean="0"/>
+              <a:t> </a:t>
+            </a:r>
+          </a:p>
+          <a:p>
+            <a:r>
+              <a:rPr lang="en-US" dirty="0" smtClean="0"/>
+              <a:t>Prepackaged application stacks; old/vulnerable versions available</a:t>
             </a:r>
             <a:endParaRPr lang="en-US" dirty="0"/>
           </a:p>
@@ -4236,26 +4273,26 @@
             <a:pPr lvl="1"/>
             <a:r>
               <a:rPr lang="en-US" dirty="0"/>
-              <a:t>So you can see how things are usually laid out in the actual source code</a:t>
-            </a:r>
-          </a:p>
-          <a:p>
-            <a:pPr lvl="1"/>
-            <a:r>
-              <a:rPr lang="en-US" dirty="0"/>
-              <a:t>Before diving into closed source </a:t>
-            </a:r>
-            <a:r>
-              <a:rPr lang="en-US" dirty="0" smtClean="0"/>
-              <a:t>binaries</a:t>
-            </a:r>
-          </a:p>
-          <a:p>
-            <a:pPr lvl="1"/>
-            <a:r>
-              <a:rPr lang="en-US" dirty="0" smtClean="0"/>
-              <a:t>Virtual Box vs VMWare</a:t>
-            </a:r>
+              <a:t>T</a:t>
+            </a:r>
+            <a:r>
+              <a:rPr lang="en-US" dirty="0" smtClean="0"/>
+              <a:t>urnkey GNU/Linux</a:t>
+            </a:r>
+          </a:p>
+          <a:p>
+            <a:pPr lvl="1"/>
+            <a:r>
+              <a:rPr lang="en-US" dirty="0" smtClean="0"/>
+              <a:t>Ninite.com</a:t>
+            </a:r>
+            <a:endParaRPr lang="en-US" dirty="0"/>
+          </a:p>
+          <a:p>
+            <a:pPr lvl="1"/>
+            <a:endParaRPr lang="en-US" dirty="0" smtClean="0"/>
+          </a:p>
+          <a:p>
             <a:endParaRPr lang="en-US" dirty="0"/>
           </a:p>
         </p:txBody>
@@ -4263,7 +4300,7 @@
     </p:spTree>
     <p:extLst>
       <p:ext uri="{BB962C8B-B14F-4D97-AF65-F5344CB8AC3E}">
-        <p14:creationId xmlns:p14="http://schemas.microsoft.com/office/powerpoint/2010/main" val="2281686553"/>
+        <p14:creationId xmlns:p14="http://schemas.microsoft.com/office/powerpoint/2010/main" val="3834901385"/>
       </p:ext>
     </p:extLst>
   </p:cSld>
@@ -4307,203 +4344,108 @@
           <a:p>
             <a:pPr algn="ctr"/>
             <a:r>
-              <a:rPr lang="en-US" dirty="0" smtClean="0"/>
-              <a:t>Capture the Flag</a:t>
+              <a:rPr lang="en-US" dirty="0"/>
+              <a:t>“learn on your own” labs</a:t>
+            </a:r>
+          </a:p>
+        </p:txBody>
+      </p:sp>
+      <p:sp>
+        <p:nvSpPr>
+          <p:cNvPr id="3" name="Content Placeholder 2"/>
+          <p:cNvSpPr>
+            <a:spLocks noGrp="1"/>
+          </p:cNvSpPr>
+          <p:nvPr>
+            <p:ph sz="quarter" idx="13"/>
+          </p:nvPr>
+        </p:nvSpPr>
+        <p:spPr/>
+        <p:txBody>
+          <a:bodyPr/>
+          <a:lstStyle/>
+          <a:p>
+            <a:r>
+              <a:rPr lang="en-US" dirty="0"/>
+              <a:t>Can also download trial versions of software that is currently used in the real world</a:t>
+            </a:r>
+          </a:p>
+          <a:p>
+            <a:pPr lvl="1"/>
+            <a:r>
+              <a:rPr lang="en-US" dirty="0" smtClean="0"/>
+              <a:t>And look </a:t>
+            </a:r>
+            <a:r>
+              <a:rPr lang="en-US" dirty="0"/>
+              <a:t>for vulnerabilities in </a:t>
+            </a:r>
+            <a:r>
+              <a:rPr lang="en-US" dirty="0" smtClean="0"/>
+              <a:t>it</a:t>
+            </a:r>
+          </a:p>
+          <a:p>
+            <a:pPr lvl="1"/>
+            <a:r>
+              <a:rPr lang="en-US" dirty="0" smtClean="0"/>
+              <a:t>This is </a:t>
+            </a:r>
+            <a:r>
+              <a:rPr lang="en-US" dirty="0"/>
+              <a:t>how the hackers do </a:t>
+            </a:r>
+            <a:r>
+              <a:rPr lang="en-US" dirty="0" smtClean="0"/>
+              <a:t>it</a:t>
+            </a:r>
+          </a:p>
+          <a:p>
+            <a:pPr lvl="1"/>
+            <a:r>
+              <a:rPr lang="en-US" dirty="0"/>
+              <a:t>Load balancer, firewall software, content management systems, </a:t>
+            </a:r>
+            <a:r>
+              <a:rPr lang="en-US" dirty="0" err="1" smtClean="0"/>
+              <a:t>etc</a:t>
             </a:r>
             <a:endParaRPr lang="en-US" dirty="0"/>
           </a:p>
-        </p:txBody>
-      </p:sp>
-      <p:sp>
-        <p:nvSpPr>
-          <p:cNvPr id="3" name="Content Placeholder 2"/>
-          <p:cNvSpPr>
-            <a:spLocks noGrp="1"/>
-          </p:cNvSpPr>
-          <p:nvPr>
-            <p:ph sz="quarter" idx="13"/>
-          </p:nvPr>
-        </p:nvSpPr>
-        <p:spPr/>
-        <p:txBody>
-          <a:bodyPr>
-            <a:normAutofit fontScale="92500" lnSpcReduction="20000"/>
-          </a:bodyPr>
-          <a:lstStyle/>
-          <a:p>
-            <a:r>
-              <a:rPr lang="en-US" dirty="0" smtClean="0"/>
-              <a:t>There are </a:t>
-            </a:r>
-            <a:r>
-              <a:rPr lang="en-US" dirty="0"/>
-              <a:t>many CTFs available </a:t>
-            </a:r>
-            <a:r>
-              <a:rPr lang="en-US" dirty="0" smtClean="0"/>
-              <a:t>online, </a:t>
-            </a:r>
-            <a:r>
-              <a:rPr lang="en-US" dirty="0"/>
-              <a:t>where </a:t>
-            </a:r>
-            <a:r>
-              <a:rPr lang="en-US" dirty="0" smtClean="0"/>
-              <a:t>you can legally practice your hacking skills, trying to hack in and get the flag</a:t>
-            </a:r>
-          </a:p>
-          <a:p>
-            <a:pPr lvl="1"/>
-            <a:r>
-              <a:rPr lang="en-US" dirty="0" smtClean="0"/>
-              <a:t>Sans </a:t>
-            </a:r>
-            <a:r>
-              <a:rPr lang="en-US" dirty="0"/>
-              <a:t>holiday </a:t>
-            </a:r>
-            <a:r>
-              <a:rPr lang="en-US" dirty="0" smtClean="0"/>
-              <a:t>hack</a:t>
+          <a:p>
+            <a:r>
+              <a:rPr lang="en-US" dirty="0"/>
+              <a:t>Can start by walking through an open source version of the software </a:t>
+            </a:r>
+            <a:r>
+              <a:rPr lang="en-US" dirty="0" smtClean="0"/>
+              <a:t>category</a:t>
             </a:r>
             <a:endParaRPr lang="en-US" dirty="0"/>
           </a:p>
           <a:p>
             <a:pPr lvl="1"/>
             <a:r>
-              <a:rPr lang="en-US" dirty="0" smtClean="0"/>
-              <a:t>Hack </a:t>
-            </a:r>
-            <a:r>
-              <a:rPr lang="en-US" dirty="0"/>
-              <a:t>the </a:t>
-            </a:r>
-            <a:r>
-              <a:rPr lang="en-US" dirty="0" smtClean="0"/>
-              <a:t>box</a:t>
-            </a:r>
-            <a:endParaRPr lang="en-US" dirty="0"/>
-          </a:p>
-          <a:p>
-            <a:pPr lvl="1"/>
-            <a:r>
-              <a:rPr lang="en-US" dirty="0" smtClean="0"/>
-              <a:t>Try </a:t>
-            </a:r>
-            <a:r>
-              <a:rPr lang="en-US" dirty="0"/>
-              <a:t>hack </a:t>
-            </a:r>
-            <a:r>
-              <a:rPr lang="en-US" dirty="0" smtClean="0"/>
-              <a:t>me</a:t>
-            </a:r>
-          </a:p>
-          <a:p>
-            <a:pPr lvl="1"/>
-            <a:r>
-              <a:rPr lang="en-US" dirty="0" smtClean="0"/>
-              <a:t>Many others, </a:t>
-            </a:r>
-            <a:r>
-              <a:rPr lang="en-US" dirty="0" smtClean="0">
-                <a:hlinkClick r:id="rId2"/>
-              </a:rPr>
-              <a:t>https://www.sans.org/posters/ultimate-pen-test-poster/</a:t>
-            </a:r>
-            <a:r>
-              <a:rPr lang="en-US" dirty="0" smtClean="0"/>
-              <a:t> </a:t>
-            </a:r>
-          </a:p>
-          <a:p>
-            <a:r>
-              <a:rPr lang="en-US" dirty="0" smtClean="0"/>
-              <a:t>There are also some downloadable CTF packages</a:t>
-            </a:r>
-          </a:p>
-          <a:p>
-            <a:pPr lvl="1"/>
-            <a:r>
-              <a:rPr lang="en-US" dirty="0" err="1"/>
-              <a:t>Metasploitable</a:t>
-            </a:r>
-            <a:endParaRPr lang="en-US" dirty="0"/>
-          </a:p>
-          <a:p>
-            <a:pPr lvl="1"/>
-            <a:r>
-              <a:rPr lang="en-US" dirty="0" err="1" smtClean="0"/>
-              <a:t>SecGen</a:t>
-            </a:r>
-            <a:r>
-              <a:rPr lang="en-US" dirty="0" smtClean="0"/>
-              <a:t> </a:t>
-            </a:r>
-            <a:r>
-              <a:rPr lang="en-US" dirty="0"/>
-              <a:t>(github.com/</a:t>
-            </a:r>
-            <a:r>
-              <a:rPr lang="en-US" dirty="0" err="1"/>
-              <a:t>cliffe</a:t>
-            </a:r>
-            <a:r>
-              <a:rPr lang="en-US" dirty="0"/>
-              <a:t>/</a:t>
-            </a:r>
-            <a:r>
-              <a:rPr lang="en-US" dirty="0" err="1"/>
-              <a:t>SecGen</a:t>
-            </a:r>
-            <a:r>
-              <a:rPr lang="en-US" dirty="0"/>
-              <a:t>)</a:t>
-            </a:r>
-          </a:p>
-          <a:p>
-            <a:pPr lvl="1"/>
-            <a:r>
-              <a:rPr lang="en-US" dirty="0" err="1" smtClean="0"/>
-              <a:t>Owasp</a:t>
-            </a:r>
-            <a:r>
-              <a:rPr lang="en-US" dirty="0" smtClean="0"/>
-              <a:t> </a:t>
-            </a:r>
-            <a:r>
-              <a:rPr lang="en-US" dirty="0" err="1" smtClean="0"/>
-              <a:t>Juicebox</a:t>
-            </a:r>
-            <a:endParaRPr lang="en-US" dirty="0" smtClean="0"/>
-          </a:p>
-          <a:p>
-            <a:pPr lvl="1"/>
-            <a:r>
-              <a:rPr lang="en-US" dirty="0" smtClean="0"/>
-              <a:t>Web Goat</a:t>
-            </a:r>
-          </a:p>
-          <a:p>
-            <a:r>
-              <a:rPr lang="en-US" dirty="0" smtClean="0"/>
-              <a:t>You can also usually find walk-</a:t>
-            </a:r>
-            <a:r>
-              <a:rPr lang="en-US" dirty="0" err="1" smtClean="0"/>
-              <a:t>thrus</a:t>
-            </a:r>
-            <a:r>
-              <a:rPr lang="en-US" dirty="0" smtClean="0"/>
-              <a:t> online for the CTFs, guiding you step by step how to do the attacks (how </a:t>
-            </a:r>
-            <a:r>
-              <a:rPr lang="en-US" dirty="0"/>
-              <a:t>I did a lot of my level-up </a:t>
-            </a:r>
-            <a:r>
-              <a:rPr lang="en-US" dirty="0" smtClean="0"/>
-              <a:t>learning)</a:t>
+              <a:rPr lang="en-US" dirty="0"/>
+              <a:t>So you can see how things are usually laid out in the actual source code</a:t>
+            </a:r>
+          </a:p>
+          <a:p>
+            <a:pPr lvl="1"/>
+            <a:r>
+              <a:rPr lang="en-US" dirty="0"/>
+              <a:t>Before diving into closed source </a:t>
+            </a:r>
+            <a:r>
+              <a:rPr lang="en-US" dirty="0" smtClean="0"/>
+              <a:t>binaries</a:t>
+            </a:r>
+          </a:p>
+          <a:p>
+            <a:pPr lvl="1"/>
+            <a:r>
+              <a:rPr lang="en-US" dirty="0" smtClean="0"/>
+              <a:t>Virtual Box vs VMWare</a:t>
             </a:r>
             <a:endParaRPr lang="en-US" dirty="0"/>
           </a:p>
@@ -4512,7 +4454,7 @@
     </p:spTree>
     <p:extLst>
       <p:ext uri="{BB962C8B-B14F-4D97-AF65-F5344CB8AC3E}">
-        <p14:creationId xmlns:p14="http://schemas.microsoft.com/office/powerpoint/2010/main" val="1511335181"/>
+        <p14:creationId xmlns:p14="http://schemas.microsoft.com/office/powerpoint/2010/main" val="2281686553"/>
       </p:ext>
     </p:extLst>
   </p:cSld>
@@ -4557,7 +4499,7 @@
             <a:pPr algn="ctr"/>
             <a:r>
               <a:rPr lang="en-US" dirty="0" smtClean="0"/>
-              <a:t>Bug Bounties</a:t>
+              <a:t>Capture the Flag</a:t>
             </a:r>
             <a:endParaRPr lang="en-US" dirty="0"/>
           </a:p>
@@ -4575,48 +4517,184 @@
         </p:nvSpPr>
         <p:spPr/>
         <p:txBody>
-          <a:bodyPr/>
-          <a:lstStyle/>
-          <a:p>
-            <a:r>
-              <a:rPr lang="en-US" dirty="0" smtClean="0"/>
-              <a:t>Can practice hacking on real world systems via bug bounty programs</a:t>
-            </a:r>
-          </a:p>
-          <a:p>
-            <a:pPr lvl="1"/>
-            <a:r>
-              <a:rPr lang="en-US" dirty="0" smtClean="0"/>
-              <a:t>Hacker One</a:t>
-            </a:r>
-          </a:p>
-          <a:p>
-            <a:pPr lvl="1"/>
-            <a:r>
-              <a:rPr lang="en-US" dirty="0" smtClean="0"/>
-              <a:t>Bug Crowd</a:t>
-            </a:r>
+          <a:bodyPr>
+            <a:normAutofit fontScale="92500" lnSpcReduction="20000"/>
+          </a:bodyPr>
+          <a:lstStyle/>
+          <a:p>
+            <a:r>
+              <a:rPr lang="en-US" dirty="0" smtClean="0"/>
+              <a:t>There are </a:t>
+            </a:r>
+            <a:r>
+              <a:rPr lang="en-US" dirty="0"/>
+              <a:t>many CTFs available </a:t>
+            </a:r>
+            <a:r>
+              <a:rPr lang="en-US" dirty="0" smtClean="0"/>
+              <a:t>online, </a:t>
+            </a:r>
+            <a:r>
+              <a:rPr lang="en-US" dirty="0"/>
+              <a:t>where </a:t>
+            </a:r>
+            <a:r>
+              <a:rPr lang="en-US" dirty="0" smtClean="0"/>
+              <a:t>you can legally practice your hacking skills, trying to hack in and get the flag</a:t>
+            </a:r>
+          </a:p>
+          <a:p>
+            <a:pPr lvl="1"/>
+            <a:r>
+              <a:rPr lang="en-US" dirty="0" smtClean="0"/>
+              <a:t>Sans </a:t>
+            </a:r>
+            <a:r>
+              <a:rPr lang="en-US" dirty="0"/>
+              <a:t>holiday </a:t>
+            </a:r>
+            <a:r>
+              <a:rPr lang="en-US" dirty="0" smtClean="0"/>
+              <a:t>hack</a:t>
+            </a:r>
+            <a:endParaRPr lang="en-US" dirty="0"/>
+          </a:p>
+          <a:p>
+            <a:pPr lvl="1"/>
+            <a:r>
+              <a:rPr lang="en-US" dirty="0" smtClean="0"/>
+              <a:t>Hack </a:t>
+            </a:r>
+            <a:r>
+              <a:rPr lang="en-US" dirty="0"/>
+              <a:t>the </a:t>
+            </a:r>
+            <a:r>
+              <a:rPr lang="en-US" dirty="0" smtClean="0"/>
+              <a:t>box</a:t>
+            </a:r>
+            <a:endParaRPr lang="en-US" dirty="0"/>
+          </a:p>
+          <a:p>
+            <a:pPr lvl="1"/>
+            <a:r>
+              <a:rPr lang="en-US" dirty="0" smtClean="0"/>
+              <a:t>Try </a:t>
+            </a:r>
+            <a:r>
+              <a:rPr lang="en-US" dirty="0"/>
+              <a:t>hack </a:t>
+            </a:r>
+            <a:r>
+              <a:rPr lang="en-US" dirty="0" smtClean="0"/>
+              <a:t>me</a:t>
+            </a:r>
+          </a:p>
+          <a:p>
+            <a:pPr lvl="1"/>
+            <a:r>
+              <a:rPr lang="en-US" dirty="0" smtClean="0"/>
+              <a:t>Many others, </a:t>
+            </a:r>
+            <a:r>
+              <a:rPr lang="en-US" dirty="0" smtClean="0">
+                <a:hlinkClick r:id="rId2"/>
+              </a:rPr>
+              <a:t>https://www.sans.org/posters/ultimate-pen-test-poster/</a:t>
+            </a:r>
+            <a:r>
+              <a:rPr lang="en-US" dirty="0" smtClean="0"/>
+              <a:t> </a:t>
+            </a:r>
+          </a:p>
+          <a:p>
+            <a:r>
+              <a:rPr lang="en-US" dirty="0" smtClean="0"/>
+              <a:t>There are also some downloadable CTF packages</a:t>
+            </a:r>
+          </a:p>
+          <a:p>
+            <a:pPr lvl="1"/>
+            <a:r>
+              <a:rPr lang="en-US" dirty="0" err="1"/>
+              <a:t>Metasploitable</a:t>
+            </a:r>
+            <a:endParaRPr lang="en-US" dirty="0"/>
           </a:p>
           <a:p>
             <a:pPr lvl="1"/>
             <a:r>
               <a:rPr lang="en-US" dirty="0" err="1" smtClean="0"/>
-              <a:t>Etc</a:t>
+              <a:t>SecGen</a:t>
+            </a:r>
+            <a:r>
+              <a:rPr lang="en-US" dirty="0" smtClean="0"/>
+              <a:t> </a:t>
+            </a:r>
+            <a:r>
+              <a:rPr lang="en-US" dirty="0"/>
+              <a:t>(github.com/</a:t>
+            </a:r>
+            <a:r>
+              <a:rPr lang="en-US" dirty="0" err="1"/>
+              <a:t>cliffe</a:t>
+            </a:r>
+            <a:r>
+              <a:rPr lang="en-US" dirty="0"/>
+              <a:t>/</a:t>
+            </a:r>
+            <a:r>
+              <a:rPr lang="en-US" dirty="0" err="1"/>
+              <a:t>SecGen</a:t>
+            </a:r>
+            <a:r>
+              <a:rPr lang="en-US" dirty="0"/>
+              <a:t>)</a:t>
+            </a:r>
+          </a:p>
+          <a:p>
+            <a:pPr lvl="1"/>
+            <a:r>
+              <a:rPr lang="en-US" dirty="0" err="1" smtClean="0"/>
+              <a:t>Owasp</a:t>
+            </a:r>
+            <a:r>
+              <a:rPr lang="en-US" dirty="0" smtClean="0"/>
+              <a:t> </a:t>
+            </a:r>
+            <a:r>
+              <a:rPr lang="en-US" dirty="0" err="1" smtClean="0"/>
+              <a:t>Juicebox</a:t>
             </a:r>
             <a:endParaRPr lang="en-US" dirty="0" smtClean="0"/>
           </a:p>
           <a:p>
-            <a:r>
-              <a:rPr lang="en-US" dirty="0" smtClean="0"/>
-              <a:t>They have lists of companies and their </a:t>
+            <a:pPr lvl="1"/>
+            <a:r>
+              <a:rPr lang="en-US" dirty="0" smtClean="0"/>
+              <a:t>Web Goat</a:t>
+            </a:r>
+          </a:p>
+          <a:p>
+            <a:r>
+              <a:rPr lang="en-US" dirty="0" smtClean="0"/>
+              <a:t>You can also usually find walk-</a:t>
             </a:r>
             <a:r>
               <a:rPr lang="en-US" dirty="0" err="1" smtClean="0"/>
-              <a:t>urls</a:t>
-            </a:r>
-            <a:r>
-              <a:rPr lang="en-US" dirty="0" smtClean="0"/>
-              <a:t> that are in scope</a:t>
+              <a:t>thrus</a:t>
+            </a:r>
+            <a:r>
+              <a:rPr lang="en-US" dirty="0" smtClean="0"/>
+              <a:t> online for the CTFs, guiding you step by step how to do the attacks (how </a:t>
+            </a:r>
+            <a:r>
+              <a:rPr lang="en-US" dirty="0"/>
+              <a:t>I did a lot of my level-up </a:t>
+            </a:r>
+            <a:r>
+              <a:rPr lang="en-US" dirty="0" smtClean="0"/>
+              <a:t>learning)</a:t>
             </a:r>
             <a:endParaRPr lang="en-US" dirty="0"/>
           </a:p>
@@ -4625,7 +4703,7 @@
     </p:spTree>
     <p:extLst>
       <p:ext uri="{BB962C8B-B14F-4D97-AF65-F5344CB8AC3E}">
-        <p14:creationId xmlns:p14="http://schemas.microsoft.com/office/powerpoint/2010/main" val="3085278238"/>
+        <p14:creationId xmlns:p14="http://schemas.microsoft.com/office/powerpoint/2010/main" val="1511335181"/>
       </p:ext>
     </p:extLst>
   </p:cSld>
@@ -4670,7 +4748,7 @@
             <a:pPr algn="ctr"/>
             <a:r>
               <a:rPr lang="en-US" dirty="0" smtClean="0"/>
-              <a:t>After you Land the job</a:t>
+              <a:t>Bug Bounties</a:t>
             </a:r>
             <a:endParaRPr lang="en-US" dirty="0"/>
           </a:p>
@@ -4692,26 +4770,44 @@
           <a:lstStyle/>
           <a:p>
             <a:r>
-              <a:rPr lang="en-US" dirty="0"/>
-              <a:t>The learning doesn't stop once you land the </a:t>
-            </a:r>
-            <a:r>
-              <a:rPr lang="en-US" dirty="0" smtClean="0"/>
-              <a:t>job!</a:t>
-            </a:r>
-          </a:p>
-          <a:p>
-            <a:r>
-              <a:rPr lang="en-US" dirty="0" smtClean="0"/>
-              <a:t> </a:t>
-            </a:r>
-            <a:r>
-              <a:rPr lang="en-US" dirty="0"/>
-              <a:t>A good penetration tester never stops digging into new stuff and learning, nor do they want </a:t>
-            </a:r>
-            <a:r>
-              <a:rPr lang="en-US" dirty="0" smtClean="0"/>
-              <a:t>to…</a:t>
+              <a:rPr lang="en-US" dirty="0" smtClean="0"/>
+              <a:t>Can practice hacking on real world systems via bug bounty programs</a:t>
+            </a:r>
+          </a:p>
+          <a:p>
+            <a:pPr lvl="1"/>
+            <a:r>
+              <a:rPr lang="en-US" dirty="0" smtClean="0"/>
+              <a:t>Hacker One</a:t>
+            </a:r>
+          </a:p>
+          <a:p>
+            <a:pPr lvl="1"/>
+            <a:r>
+              <a:rPr lang="en-US" dirty="0" smtClean="0"/>
+              <a:t>Bug Crowd</a:t>
+            </a:r>
+          </a:p>
+          <a:p>
+            <a:pPr lvl="1"/>
+            <a:r>
+              <a:rPr lang="en-US" dirty="0" err="1" smtClean="0"/>
+              <a:t>Etc</a:t>
+            </a:r>
+            <a:endParaRPr lang="en-US" dirty="0" smtClean="0"/>
+          </a:p>
+          <a:p>
+            <a:r>
+              <a:rPr lang="en-US" dirty="0" smtClean="0"/>
+              <a:t>They have lists of companies and their </a:t>
+            </a:r>
+            <a:r>
+              <a:rPr lang="en-US" dirty="0" err="1" smtClean="0"/>
+              <a:t>urls</a:t>
+            </a:r>
+            <a:r>
+              <a:rPr lang="en-US" dirty="0" smtClean="0"/>
+              <a:t> that are in scope</a:t>
             </a:r>
             <a:endParaRPr lang="en-US" dirty="0"/>
           </a:p>
@@ -4720,7 +4816,7 @@
     </p:spTree>
     <p:extLst>
       <p:ext uri="{BB962C8B-B14F-4D97-AF65-F5344CB8AC3E}">
-        <p14:creationId xmlns:p14="http://schemas.microsoft.com/office/powerpoint/2010/main" val="3824793554"/>
+        <p14:creationId xmlns:p14="http://schemas.microsoft.com/office/powerpoint/2010/main" val="3085278238"/>
       </p:ext>
     </p:extLst>
   </p:cSld>
@@ -4765,6 +4861,101 @@
             <a:pPr algn="ctr"/>
             <a:r>
               <a:rPr lang="en-US" dirty="0" smtClean="0"/>
+              <a:t>After you Land the job</a:t>
+            </a:r>
+            <a:endParaRPr lang="en-US" dirty="0"/>
+          </a:p>
+        </p:txBody>
+      </p:sp>
+      <p:sp>
+        <p:nvSpPr>
+          <p:cNvPr id="3" name="Content Placeholder 2"/>
+          <p:cNvSpPr>
+            <a:spLocks noGrp="1"/>
+          </p:cNvSpPr>
+          <p:nvPr>
+            <p:ph sz="quarter" idx="13"/>
+          </p:nvPr>
+        </p:nvSpPr>
+        <p:spPr/>
+        <p:txBody>
+          <a:bodyPr/>
+          <a:lstStyle/>
+          <a:p>
+            <a:r>
+              <a:rPr lang="en-US" dirty="0"/>
+              <a:t>The learning doesn't stop once you land the </a:t>
+            </a:r>
+            <a:r>
+              <a:rPr lang="en-US" dirty="0" smtClean="0"/>
+              <a:t>job!</a:t>
+            </a:r>
+          </a:p>
+          <a:p>
+            <a:r>
+              <a:rPr lang="en-US" dirty="0" smtClean="0"/>
+              <a:t> </a:t>
+            </a:r>
+            <a:r>
+              <a:rPr lang="en-US" dirty="0"/>
+              <a:t>A good penetration tester never stops digging into new stuff and learning, nor do they want </a:t>
+            </a:r>
+            <a:r>
+              <a:rPr lang="en-US" dirty="0" smtClean="0"/>
+              <a:t>to…</a:t>
+            </a:r>
+            <a:endParaRPr lang="en-US" dirty="0"/>
+          </a:p>
+        </p:txBody>
+      </p:sp>
+    </p:spTree>
+    <p:extLst>
+      <p:ext uri="{BB962C8B-B14F-4D97-AF65-F5344CB8AC3E}">
+        <p14:creationId xmlns:p14="http://schemas.microsoft.com/office/powerpoint/2010/main" val="3824793554"/>
+      </p:ext>
+    </p:extLst>
+  </p:cSld>
+  <p:clrMapOvr>
+    <a:masterClrMapping/>
+  </p:clrMapOvr>
+</p:sld>
+</file>
+
+<file path=ppt/slides/slide18.xml><?xml version="1.0" encoding="utf-8"?>
+<p:sld xmlns:a="http://schemas.openxmlformats.org/drawingml/2006/main" xmlns:r="http://schemas.openxmlformats.org/officeDocument/2006/relationships" xmlns:p="http://schemas.openxmlformats.org/presentationml/2006/main">
+  <p:cSld>
+    <p:spTree>
+      <p:nvGrpSpPr>
+        <p:cNvPr id="1" name=""/>
+        <p:cNvGrpSpPr/>
+        <p:nvPr/>
+      </p:nvGrpSpPr>
+      <p:grpSpPr>
+        <a:xfrm>
+          <a:off x="0" y="0"/>
+          <a:ext cx="0" cy="0"/>
+          <a:chOff x="0" y="0"/>
+          <a:chExt cx="0" cy="0"/>
+        </a:xfrm>
+      </p:grpSpPr>
+      <p:sp>
+        <p:nvSpPr>
+          <p:cNvPr id="2" name="Title 1"/>
+          <p:cNvSpPr>
+            <a:spLocks noGrp="1"/>
+          </p:cNvSpPr>
+          <p:nvPr>
+            <p:ph type="title"/>
+          </p:nvPr>
+        </p:nvSpPr>
+        <p:spPr/>
+        <p:txBody>
+          <a:bodyPr/>
+          <a:lstStyle/>
+          <a:p>
+            <a:pPr algn="ctr"/>
+            <a:r>
+              <a:rPr lang="en-US" dirty="0" smtClean="0"/>
               <a:t>It can be a slow start…but don’t give up</a:t>
             </a:r>
             <a:endParaRPr lang="en-US" dirty="0"/>
@@ -4826,7 +5017,7 @@
 </p:sld>
 </file>
 
-<file path=ppt/slides/slide18.xml><?xml version="1.0" encoding="utf-8"?>
+<file path=ppt/slides/slide19.xml><?xml version="1.0" encoding="utf-8"?>
 <p:sld xmlns:a="http://schemas.openxmlformats.org/drawingml/2006/main" xmlns:r="http://schemas.openxmlformats.org/officeDocument/2006/relationships" xmlns:p="http://schemas.openxmlformats.org/presentationml/2006/main">
   <p:cSld>
     <p:spTree>
@@ -6083,7 +6274,7 @@
             <a:pPr algn="ctr"/>
             <a:r>
               <a:rPr lang="en-US" dirty="0" smtClean="0"/>
-              <a:t>Offensive Security</a:t>
+              <a:t>Decently Respected but low cost certs</a:t>
             </a:r>
             <a:endParaRPr lang="en-US" dirty="0"/>
           </a:p>
@@ -6101,163 +6292,50 @@
         </p:nvSpPr>
         <p:spPr/>
         <p:txBody>
-          <a:bodyPr>
-            <a:normAutofit lnSpcReduction="10000"/>
-          </a:bodyPr>
-          <a:lstStyle/>
-          <a:p>
-            <a:r>
-              <a:rPr lang="en-US" dirty="0"/>
-              <a:t>Medium </a:t>
-            </a:r>
-            <a:r>
-              <a:rPr lang="en-US" dirty="0" smtClean="0"/>
-              <a:t>cost</a:t>
-            </a:r>
-            <a:r>
-              <a:rPr lang="en-US" dirty="0"/>
-              <a:t>, but well recognized</a:t>
-            </a:r>
-          </a:p>
-          <a:p>
-            <a:r>
-              <a:rPr lang="en-US" dirty="0" smtClean="0"/>
-              <a:t>Very </a:t>
-            </a:r>
-            <a:r>
-              <a:rPr lang="en-US" dirty="0"/>
-              <a:t>in </a:t>
-            </a:r>
-            <a:r>
-              <a:rPr lang="en-US" dirty="0" smtClean="0"/>
-              <a:t>depth </a:t>
-            </a:r>
-            <a:r>
-              <a:rPr lang="en-US" dirty="0"/>
-              <a:t>training </a:t>
-            </a:r>
-            <a:r>
-              <a:rPr lang="en-US" dirty="0" smtClean="0"/>
-              <a:t>courses, and excellent labs</a:t>
-            </a:r>
-          </a:p>
-          <a:p>
-            <a:pPr lvl="1"/>
-            <a:r>
-              <a:rPr lang="en-US" dirty="0" smtClean="0"/>
-              <a:t>OS / network penetration testing</a:t>
-            </a:r>
-          </a:p>
-          <a:p>
-            <a:pPr lvl="1"/>
-            <a:r>
-              <a:rPr lang="en-US" dirty="0" smtClean="0"/>
-              <a:t>Web application penetration testing</a:t>
-            </a:r>
-          </a:p>
-          <a:p>
-            <a:pPr lvl="1"/>
+          <a:bodyPr/>
+          <a:lstStyle/>
+          <a:p>
+            <a:r>
+              <a:rPr lang="en-US" dirty="0" smtClean="0"/>
+              <a:t>Will get you through the HR firewall</a:t>
+            </a:r>
+          </a:p>
+          <a:p>
+            <a:r>
+              <a:rPr lang="en-US" dirty="0" smtClean="0"/>
+              <a:t>But</a:t>
+            </a:r>
+            <a:r>
+              <a:rPr lang="en-US" dirty="0" smtClean="0"/>
+              <a:t> </a:t>
+            </a:r>
+            <a:r>
+              <a:rPr lang="en-US" dirty="0" smtClean="0"/>
+              <a:t>don’t require a huge amount of experience</a:t>
+            </a:r>
+          </a:p>
+          <a:p>
+            <a:r>
+              <a:rPr lang="en-US" dirty="0" smtClean="0"/>
+              <a:t>Certified Ethical Hacker: $1,200 for exam</a:t>
+            </a:r>
+          </a:p>
+          <a:p>
             <a:r>
               <a:rPr lang="en-US" dirty="0" err="1" smtClean="0"/>
-              <a:t>etc</a:t>
-            </a:r>
-            <a:endParaRPr lang="en-US" dirty="0" smtClean="0"/>
-          </a:p>
-          <a:p>
-            <a:r>
-              <a:rPr lang="en-US" dirty="0" smtClean="0"/>
-              <a:t>Prepares </a:t>
-            </a:r>
-            <a:r>
-              <a:rPr lang="en-US" dirty="0"/>
-              <a:t>you for </a:t>
-            </a:r>
-            <a:r>
-              <a:rPr lang="en-US" dirty="0" smtClean="0"/>
-              <a:t>some </a:t>
-            </a:r>
-            <a:r>
-              <a:rPr lang="en-US" dirty="0"/>
-              <a:t>of the most </a:t>
-            </a:r>
-            <a:r>
-              <a:rPr lang="en-US" dirty="0" smtClean="0"/>
-              <a:t>difficult, </a:t>
-            </a:r>
-            <a:r>
-              <a:rPr lang="en-US" dirty="0"/>
-              <a:t>but respected certifications in the industry </a:t>
-            </a:r>
-            <a:r>
-              <a:rPr lang="en-US" dirty="0" smtClean="0"/>
-              <a:t>– OSCP, OSWA, </a:t>
-            </a:r>
-            <a:r>
-              <a:rPr lang="en-US" dirty="0" err="1" smtClean="0"/>
-              <a:t>etc</a:t>
-            </a:r>
-            <a:endParaRPr lang="en-US" dirty="0" smtClean="0"/>
-          </a:p>
-          <a:p>
-            <a:pPr lvl="1"/>
-            <a:r>
-              <a:rPr lang="en-US" dirty="0"/>
-              <a:t>B</a:t>
-            </a:r>
-            <a:r>
-              <a:rPr lang="en-US" dirty="0" smtClean="0"/>
-              <a:t>ut </a:t>
-            </a:r>
-            <a:r>
-              <a:rPr lang="en-US" dirty="0"/>
-              <a:t>even just taking the </a:t>
-            </a:r>
-            <a:r>
-              <a:rPr lang="en-US" dirty="0" smtClean="0"/>
-              <a:t>courses and associated labs </a:t>
-            </a:r>
-            <a:r>
-              <a:rPr lang="en-US" dirty="0"/>
-              <a:t>will help build your skills </a:t>
-            </a:r>
-            <a:r>
-              <a:rPr lang="en-US" dirty="0" smtClean="0"/>
-              <a:t>tremendously</a:t>
-            </a:r>
-          </a:p>
-          <a:p>
-            <a:r>
-              <a:rPr lang="en-US" dirty="0" smtClean="0"/>
-              <a:t>They would </a:t>
-            </a:r>
-            <a:r>
-              <a:rPr lang="en-US" dirty="0"/>
-              <a:t>definitely help boost you over other </a:t>
-            </a:r>
-            <a:r>
-              <a:rPr lang="en-US" dirty="0" smtClean="0"/>
-              <a:t>candidates</a:t>
-            </a:r>
-          </a:p>
-          <a:p>
-            <a:pPr lvl="1"/>
-            <a:r>
-              <a:rPr lang="en-US" dirty="0" smtClean="0"/>
-              <a:t>And get you past the HR firewall</a:t>
-            </a:r>
-          </a:p>
-          <a:p>
-            <a:r>
-              <a:rPr lang="en-US" dirty="0" smtClean="0"/>
-              <a:t>~$1000 </a:t>
-            </a:r>
-            <a:r>
-              <a:rPr lang="en-US" dirty="0"/>
-              <a:t>per </a:t>
-            </a:r>
-            <a:r>
-              <a:rPr lang="en-US" dirty="0" smtClean="0"/>
-              <a:t>course</a:t>
+              <a:t>CompTia</a:t>
+            </a:r>
+            <a:r>
+              <a:rPr lang="en-US" dirty="0" smtClean="0"/>
+              <a:t> </a:t>
+            </a:r>
+            <a:r>
+              <a:rPr lang="en-US" dirty="0" smtClean="0"/>
+              <a:t>Security+: </a:t>
+            </a:r>
+            <a:r>
+              <a:rPr lang="en-US" dirty="0" smtClean="0"/>
+              <a:t>$380 for exam</a:t>
             </a:r>
             <a:endParaRPr lang="en-US" dirty="0"/>
           </a:p>
@@ -6266,7 +6344,7 @@
     </p:spTree>
     <p:extLst>
       <p:ext uri="{BB962C8B-B14F-4D97-AF65-F5344CB8AC3E}">
-        <p14:creationId xmlns:p14="http://schemas.microsoft.com/office/powerpoint/2010/main" val="2125299202"/>
+        <p14:creationId xmlns:p14="http://schemas.microsoft.com/office/powerpoint/2010/main" val="2869272536"/>
       </p:ext>
     </p:extLst>
   </p:cSld>
@@ -6311,7 +6389,7 @@
             <a:pPr algn="ctr"/>
             <a:r>
               <a:rPr lang="en-US" dirty="0" smtClean="0"/>
-              <a:t>SANS</a:t>
+              <a:t>Offensive Security</a:t>
             </a:r>
             <a:endParaRPr lang="en-US" dirty="0"/>
           </a:p>
@@ -6330,23 +6408,35 @@
         <p:spPr/>
         <p:txBody>
           <a:bodyPr>
-            <a:normAutofit fontScale="92500" lnSpcReduction="20000"/>
+            <a:normAutofit lnSpcReduction="10000"/>
           </a:bodyPr>
           <a:lstStyle/>
           <a:p>
             <a:r>
               <a:rPr lang="en-US" dirty="0"/>
-              <a:t>High cost, but well recognized</a:t>
-            </a:r>
-          </a:p>
-          <a:p>
-            <a:r>
-              <a:rPr lang="en-US" dirty="0"/>
-              <a:t>I</a:t>
-            </a:r>
-            <a:r>
-              <a:rPr lang="en-US" dirty="0" smtClean="0"/>
-              <a:t>n depth </a:t>
+              <a:t>Medium </a:t>
+            </a:r>
+            <a:r>
+              <a:rPr lang="en-US" dirty="0" smtClean="0"/>
+              <a:t>cost</a:t>
+            </a:r>
+            <a:r>
+              <a:rPr lang="en-US" dirty="0"/>
+              <a:t>, but well recognized</a:t>
+            </a:r>
+          </a:p>
+          <a:p>
+            <a:r>
+              <a:rPr lang="en-US" dirty="0" smtClean="0"/>
+              <a:t>Very </a:t>
+            </a:r>
+            <a:r>
+              <a:rPr lang="en-US" dirty="0"/>
+              <a:t>in </a:t>
+            </a:r>
+            <a:r>
+              <a:rPr lang="en-US" dirty="0" smtClean="0"/>
+              <a:t>depth </a:t>
             </a:r>
             <a:r>
               <a:rPr lang="en-US" dirty="0"/>
@@ -6360,14 +6450,14 @@
           <a:p>
             <a:pPr lvl="1"/>
             <a:r>
-              <a:rPr lang="en-US" dirty="0"/>
+              <a:rPr lang="en-US" dirty="0" smtClean="0"/>
               <a:t>OS / network penetration testing</a:t>
             </a:r>
           </a:p>
           <a:p>
             <a:pPr lvl="1"/>
             <a:r>
-              <a:rPr lang="en-US" dirty="0"/>
+              <a:rPr lang="en-US" dirty="0" smtClean="0"/>
               <a:t>Web application penetration testing</a:t>
             </a:r>
           </a:p>
@@ -6377,26 +6467,78 @@
               <a:rPr lang="en-US" dirty="0" err="1" smtClean="0"/>
               <a:t>etc</a:t>
             </a:r>
-            <a:endParaRPr lang="en-US" dirty="0">
-              <a:solidFill>
-                <a:srgbClr val="FF0000"/>
-              </a:solidFill>
-            </a:endParaRPr>
-          </a:p>
-          <a:p>
-            <a:r>
-              <a:rPr lang="en-US" dirty="0" smtClean="0"/>
-              <a:t>The certifications are not as grueling as the OSCP/OSWA (only 3 hours vs 24 hours), but they are just as well recognized</a:t>
-            </a:r>
-          </a:p>
-          <a:p>
-            <a:r>
-              <a:rPr lang="en-US" dirty="0" smtClean="0"/>
-              <a:t>They </a:t>
-            </a:r>
-            <a:r>
-              <a:rPr lang="en-US" dirty="0"/>
-              <a:t>will definitely help boost you over other </a:t>
+            <a:endParaRPr lang="en-US" dirty="0" smtClean="0"/>
+          </a:p>
+          <a:p>
+            <a:r>
+              <a:rPr lang="en-US" dirty="0" smtClean="0"/>
+              <a:t>Prepares </a:t>
+            </a:r>
+            <a:r>
+              <a:rPr lang="en-US" dirty="0"/>
+              <a:t>you for </a:t>
+            </a:r>
+            <a:r>
+              <a:rPr lang="en-US" dirty="0" smtClean="0"/>
+              <a:t>some </a:t>
+            </a:r>
+            <a:r>
+              <a:rPr lang="en-US" dirty="0"/>
+              <a:t>of the most </a:t>
+            </a:r>
+            <a:r>
+              <a:rPr lang="en-US" dirty="0" smtClean="0"/>
+              <a:t>difficult, </a:t>
+            </a:r>
+            <a:r>
+              <a:rPr lang="en-US" dirty="0"/>
+              <a:t>but respected certifications in the industry </a:t>
+            </a:r>
+            <a:r>
+              <a:rPr lang="en-US" dirty="0" smtClean="0"/>
+              <a:t>– OSCP, OSWA, </a:t>
+            </a:r>
+            <a:r>
+              <a:rPr lang="en-US" dirty="0" err="1" smtClean="0"/>
+              <a:t>etc</a:t>
+            </a:r>
+            <a:endParaRPr lang="en-US" dirty="0" smtClean="0"/>
+          </a:p>
+          <a:p>
+            <a:pPr lvl="1"/>
+            <a:r>
+              <a:rPr lang="en-US" dirty="0"/>
+              <a:t>B</a:t>
+            </a:r>
+            <a:r>
+              <a:rPr lang="en-US" dirty="0" smtClean="0"/>
+              <a:t>ut </a:t>
+            </a:r>
+            <a:r>
+              <a:rPr lang="en-US" dirty="0"/>
+              <a:t>even just taking the </a:t>
+            </a:r>
+            <a:r>
+              <a:rPr lang="en-US" dirty="0" smtClean="0"/>
+              <a:t>courses and associated labs </a:t>
+            </a:r>
+            <a:r>
+              <a:rPr lang="en-US" dirty="0"/>
+              <a:t>will help build your skills </a:t>
+            </a:r>
+            <a:r>
+              <a:rPr lang="en-US" dirty="0" smtClean="0"/>
+              <a:t>tremendously</a:t>
+            </a:r>
+          </a:p>
+          <a:p>
+            <a:r>
+              <a:rPr lang="en-US" dirty="0" smtClean="0"/>
+              <a:t>They would </a:t>
+            </a:r>
+            <a:r>
+              <a:rPr lang="en-US" dirty="0"/>
+              <a:t>definitely help boost you over other </a:t>
             </a:r>
             <a:r>
               <a:rPr lang="en-US" dirty="0" smtClean="0"/>
@@ -6413,50 +6555,24 @@
           <a:p>
             <a:r>
               <a:rPr lang="en-US" dirty="0" smtClean="0"/>
-              <a:t>~$7,000 for each course</a:t>
-            </a:r>
-          </a:p>
-          <a:p>
-            <a:pPr lvl="1"/>
-            <a:r>
-              <a:rPr lang="en-US" dirty="0" smtClean="0"/>
-              <a:t>But the exams can be taken separately from the courses for ~$1,000 </a:t>
-            </a:r>
-          </a:p>
-          <a:p>
-            <a:pPr lvl="1"/>
-            <a:r>
-              <a:rPr lang="en-US" dirty="0" smtClean="0"/>
-              <a:t>And many people do </a:t>
-            </a:r>
-            <a:r>
-              <a:rPr lang="en-US" dirty="0"/>
-              <a:t>other courses or self study </a:t>
-            </a:r>
-            <a:r>
-              <a:rPr lang="en-US" dirty="0" smtClean="0"/>
-              <a:t>for prep to </a:t>
-            </a:r>
-            <a:r>
-              <a:rPr lang="en-US" dirty="0"/>
-              <a:t>pass the </a:t>
-            </a:r>
-            <a:r>
-              <a:rPr lang="en-US" dirty="0" smtClean="0"/>
-              <a:t>exams, instead of taking the official courses</a:t>
+              <a:t>~$1000 </a:t>
+            </a:r>
+            <a:r>
+              <a:rPr lang="en-US" dirty="0"/>
+              <a:t>per </a:t>
+            </a:r>
+            <a:r>
+              <a:rPr lang="en-US" dirty="0" smtClean="0"/>
+              <a:t>course</a:t>
             </a:r>
             <a:endParaRPr lang="en-US" dirty="0"/>
-          </a:p>
-          <a:p>
-            <a:pPr lvl="2"/>
-            <a:endParaRPr lang="en-US" dirty="0" smtClean="0"/>
           </a:p>
         </p:txBody>
       </p:sp>
     </p:spTree>
     <p:extLst>
       <p:ext uri="{BB962C8B-B14F-4D97-AF65-F5344CB8AC3E}">
-        <p14:creationId xmlns:p14="http://schemas.microsoft.com/office/powerpoint/2010/main" val="3024179817"/>
+        <p14:creationId xmlns:p14="http://schemas.microsoft.com/office/powerpoint/2010/main" val="2125299202"/>
       </p:ext>
     </p:extLst>
   </p:cSld>
